--- a/BDotNet/gRPC-Blazor_18Jul2020/Documentation/WebAPI_gRPCWeb_Blazor_WASM_.NetCore_3.x_EF_SQL.pptx
+++ b/BDotNet/gRPC-Blazor_18Jul2020/Documentation/WebAPI_gRPCWeb_Blazor_WASM_.NetCore_3.x_EF_SQL.pptx
@@ -226,7 +226,7 @@
           <a:p>
             <a:fld id="{289D7669-2C4F-4057-B198-13E596C98571}" type="datetimeFigureOut">
               <a:rPr lang="en-IN" smtClean="0"/>
-              <a:t>17-07-2020</a:t>
+              <a:t>18-07-2020</a:t>
             </a:fld>
             <a:endParaRPr lang="en-IN"/>
           </a:p>
@@ -643,7 +643,7 @@
           <a:p>
             <a:fld id="{AAAFDAC1-E73E-4D41-B9D9-D9AB5226AECC}" type="datetimeFigureOut">
               <a:rPr lang="en-IN" smtClean="0"/>
-              <a:t>17-07-2020</a:t>
+              <a:t>18-07-2020</a:t>
             </a:fld>
             <a:endParaRPr lang="en-IN"/>
           </a:p>
@@ -843,7 +843,7 @@
           <a:p>
             <a:fld id="{AAAFDAC1-E73E-4D41-B9D9-D9AB5226AECC}" type="datetimeFigureOut">
               <a:rPr lang="en-IN" smtClean="0"/>
-              <a:t>17-07-2020</a:t>
+              <a:t>18-07-2020</a:t>
             </a:fld>
             <a:endParaRPr lang="en-IN"/>
           </a:p>
@@ -1053,7 +1053,7 @@
           <a:p>
             <a:fld id="{AAAFDAC1-E73E-4D41-B9D9-D9AB5226AECC}" type="datetimeFigureOut">
               <a:rPr lang="en-IN" smtClean="0"/>
-              <a:t>17-07-2020</a:t>
+              <a:t>18-07-2020</a:t>
             </a:fld>
             <a:endParaRPr lang="en-IN"/>
           </a:p>
@@ -1253,7 +1253,7 @@
           <a:p>
             <a:fld id="{AAAFDAC1-E73E-4D41-B9D9-D9AB5226AECC}" type="datetimeFigureOut">
               <a:rPr lang="en-IN" smtClean="0"/>
-              <a:t>17-07-2020</a:t>
+              <a:t>18-07-2020</a:t>
             </a:fld>
             <a:endParaRPr lang="en-IN"/>
           </a:p>
@@ -1529,7 +1529,7 @@
           <a:p>
             <a:fld id="{AAAFDAC1-E73E-4D41-B9D9-D9AB5226AECC}" type="datetimeFigureOut">
               <a:rPr lang="en-IN" smtClean="0"/>
-              <a:t>17-07-2020</a:t>
+              <a:t>18-07-2020</a:t>
             </a:fld>
             <a:endParaRPr lang="en-IN"/>
           </a:p>
@@ -1797,7 +1797,7 @@
           <a:p>
             <a:fld id="{AAAFDAC1-E73E-4D41-B9D9-D9AB5226AECC}" type="datetimeFigureOut">
               <a:rPr lang="en-IN" smtClean="0"/>
-              <a:t>17-07-2020</a:t>
+              <a:t>18-07-2020</a:t>
             </a:fld>
             <a:endParaRPr lang="en-IN"/>
           </a:p>
@@ -2212,7 +2212,7 @@
           <a:p>
             <a:fld id="{AAAFDAC1-E73E-4D41-B9D9-D9AB5226AECC}" type="datetimeFigureOut">
               <a:rPr lang="en-IN" smtClean="0"/>
-              <a:t>17-07-2020</a:t>
+              <a:t>18-07-2020</a:t>
             </a:fld>
             <a:endParaRPr lang="en-IN"/>
           </a:p>
@@ -2354,7 +2354,7 @@
           <a:p>
             <a:fld id="{AAAFDAC1-E73E-4D41-B9D9-D9AB5226AECC}" type="datetimeFigureOut">
               <a:rPr lang="en-IN" smtClean="0"/>
-              <a:t>17-07-2020</a:t>
+              <a:t>18-07-2020</a:t>
             </a:fld>
             <a:endParaRPr lang="en-IN"/>
           </a:p>
@@ -2467,7 +2467,7 @@
           <a:p>
             <a:fld id="{AAAFDAC1-E73E-4D41-B9D9-D9AB5226AECC}" type="datetimeFigureOut">
               <a:rPr lang="en-IN" smtClean="0"/>
-              <a:t>17-07-2020</a:t>
+              <a:t>18-07-2020</a:t>
             </a:fld>
             <a:endParaRPr lang="en-IN"/>
           </a:p>
@@ -2780,7 +2780,7 @@
           <a:p>
             <a:fld id="{AAAFDAC1-E73E-4D41-B9D9-D9AB5226AECC}" type="datetimeFigureOut">
               <a:rPr lang="en-IN" smtClean="0"/>
-              <a:t>17-07-2020</a:t>
+              <a:t>18-07-2020</a:t>
             </a:fld>
             <a:endParaRPr lang="en-IN"/>
           </a:p>
@@ -3069,7 +3069,7 @@
           <a:p>
             <a:fld id="{AAAFDAC1-E73E-4D41-B9D9-D9AB5226AECC}" type="datetimeFigureOut">
               <a:rPr lang="en-IN" smtClean="0"/>
-              <a:t>17-07-2020</a:t>
+              <a:t>18-07-2020</a:t>
             </a:fld>
             <a:endParaRPr lang="en-IN"/>
           </a:p>
@@ -3312,7 +3312,7 @@
           <a:p>
             <a:fld id="{AAAFDAC1-E73E-4D41-B9D9-D9AB5226AECC}" type="datetimeFigureOut">
               <a:rPr lang="en-IN" smtClean="0"/>
-              <a:t>17-07-2020</a:t>
+              <a:t>18-07-2020</a:t>
             </a:fld>
             <a:endParaRPr lang="en-IN"/>
           </a:p>
